--- a/DOC-20240828-WA0002..pptx
+++ b/DOC-20240828-WA0002..pptx
@@ -5,7 +5,7 @@
     <p:sldMasterId id="2147483648" r:id="rId1"/>
   </p:sldMasterIdLst>
   <p:notesMasterIdLst>
-    <p:notesMasterId r:id="rId15"/>
+    <p:notesMasterId r:id="rId14"/>
   </p:notesMasterIdLst>
   <p:sldIdLst>
     <p:sldId id="256" r:id="rId2"/>
@@ -20,7 +20,6 @@
     <p:sldId id="265" r:id="rId11"/>
     <p:sldId id="266" r:id="rId12"/>
     <p:sldId id="267" r:id="rId13"/>
-    <p:sldId id="268" r:id="rId14"/>
   </p:sldIdLst>
   <p:sldSz cx="12192000" cy="6858000"/>
   <p:notesSz cx="12192000" cy="6858000"/>
@@ -144,98 +143,27 @@
 </p:cmAuthorLst>
 </file>
 
-<file path=ppt/revisionInfo.xml><?xml version="1.0" encoding="utf-8"?>
-<p1510:revInfo xmlns:a="http://schemas.openxmlformats.org/drawingml/2006/main" xmlns:r="http://schemas.openxmlformats.org/officeDocument/2006/relationships" xmlns:p1510="http://schemas.microsoft.com/office/powerpoint/2015/10/main">
-  <p1510:revLst>
-    <p1510:client id="{8C4F11BF-BA5F-7345-8BCC-573CACA877A8}" v="214" dt="2024-09-03T05:04:00.559"/>
-  </p1510:revLst>
-</p1510:revInfo>
-</file>
-
 <file path=ppt/changesInfos/changesInfo1.xml><?xml version="1.0" encoding="utf-8"?>
 <pc:chgInfo xmlns:a="http://schemas.openxmlformats.org/drawingml/2006/main" xmlns:r="http://schemas.openxmlformats.org/officeDocument/2006/relationships" xmlns:ac="http://schemas.microsoft.com/office/drawing/2013/main/command" xmlns:pc="http://schemas.microsoft.com/office/powerpoint/2013/main/command">
   <pc:docChgLst>
-    <pc:chgData name="Chandru .R" userId="1f3d74bf1ef35cee" providerId="LiveId" clId="{8C4F11BF-BA5F-7345-8BCC-573CACA877A8}"/>
-    <pc:docChg chg="undo custSel addSld modSld addMainMaster delMainMaster">
-      <pc:chgData name="Chandru .R" userId="1f3d74bf1ef35cee" providerId="LiveId" clId="{8C4F11BF-BA5F-7345-8BCC-573CACA877A8}" dt="2024-09-03T05:04:00.559" v="214" actId="20577"/>
+    <pc:chgData name="arnidha37@gmail.com" userId="b9c9f555e6524704" providerId="LiveId" clId="{0440A7F5-BD8F-544D-B642-C9ACFFDA0068}"/>
+    <pc:docChg chg="modSld">
+      <pc:chgData name="arnidha37@gmail.com" userId="b9c9f555e6524704" providerId="LiveId" clId="{0440A7F5-BD8F-544D-B642-C9ACFFDA0068}" dt="2024-09-03T04:32:34.868" v="98" actId="20577"/>
       <pc:docMkLst>
         <pc:docMk/>
       </pc:docMkLst>
       <pc:sldChg chg="modSp">
-        <pc:chgData name="Chandru .R" userId="1f3d74bf1ef35cee" providerId="LiveId" clId="{8C4F11BF-BA5F-7345-8BCC-573CACA877A8}" dt="2024-09-03T05:04:00.559" v="214" actId="20577"/>
+        <pc:chgData name="arnidha37@gmail.com" userId="b9c9f555e6524704" providerId="LiveId" clId="{0440A7F5-BD8F-544D-B642-C9ACFFDA0068}" dt="2024-09-03T04:32:34.868" v="98" actId="20577"/>
         <pc:sldMkLst>
           <pc:docMk/>
           <pc:sldMk cId="0" sldId="256"/>
         </pc:sldMkLst>
         <pc:spChg chg="mod">
-          <ac:chgData name="Chandru .R" userId="1f3d74bf1ef35cee" providerId="LiveId" clId="{8C4F11BF-BA5F-7345-8BCC-573CACA877A8}" dt="2024-09-03T05:04:00.559" v="214" actId="20577"/>
+          <ac:chgData name="arnidha37@gmail.com" userId="b9c9f555e6524704" providerId="LiveId" clId="{0440A7F5-BD8F-544D-B642-C9ACFFDA0068}" dt="2024-09-03T04:32:34.868" v="98" actId="20577"/>
           <ac:spMkLst>
             <pc:docMk/>
             <pc:sldMk cId="0" sldId="256"/>
             <ac:spMk id="58" creationId="{00000000-0000-0000-0000-000000000000}"/>
-          </ac:spMkLst>
-        </pc:spChg>
-      </pc:sldChg>
-      <pc:sldChg chg="addSp delSp modSp new mod setBg">
-        <pc:chgData name="Chandru .R" userId="1f3d74bf1ef35cee" providerId="LiveId" clId="{8C4F11BF-BA5F-7345-8BCC-573CACA877A8}" dt="2024-09-03T05:02:57.547" v="212" actId="20577"/>
-        <pc:sldMkLst>
-          <pc:docMk/>
-          <pc:sldMk cId="1416570154" sldId="268"/>
-        </pc:sldMkLst>
-        <pc:spChg chg="del mod">
-          <ac:chgData name="Chandru .R" userId="1f3d74bf1ef35cee" providerId="LiveId" clId="{8C4F11BF-BA5F-7345-8BCC-573CACA877A8}" dt="2024-09-03T05:02:12.320" v="191" actId="21"/>
-          <ac:spMkLst>
-            <pc:docMk/>
-            <pc:sldMk cId="1416570154" sldId="268"/>
-            <ac:spMk id="2" creationId="{2CB8A596-C75B-CC46-CA45-D63EE968299C}"/>
-          </ac:spMkLst>
-        </pc:spChg>
-        <pc:spChg chg="add del">
-          <ac:chgData name="Chandru .R" userId="1f3d74bf1ef35cee" providerId="LiveId" clId="{8C4F11BF-BA5F-7345-8BCC-573CACA877A8}" dt="2024-09-03T05:02:01.485" v="185" actId="139"/>
-          <ac:spMkLst>
-            <pc:docMk/>
-            <pc:sldMk cId="1416570154" sldId="268"/>
-            <ac:spMk id="3" creationId="{F117A5B2-8088-B142-7251-BA579FE560FC}"/>
-          </ac:spMkLst>
-        </pc:spChg>
-        <pc:spChg chg="add mod">
-          <ac:chgData name="Chandru .R" userId="1f3d74bf1ef35cee" providerId="LiveId" clId="{8C4F11BF-BA5F-7345-8BCC-573CACA877A8}" dt="2024-09-03T05:02:57.547" v="212" actId="20577"/>
-          <ac:spMkLst>
-            <pc:docMk/>
-            <pc:sldMk cId="1416570154" sldId="268"/>
-            <ac:spMk id="5" creationId="{98DF10D5-A2FE-3C4A-304F-F0DBEB70C519}"/>
-          </ac:spMkLst>
-        </pc:spChg>
-      </pc:sldChg>
-    </pc:docChg>
-  </pc:docChgLst>
-  <pc:docChgLst>
-    <pc:chgData name="arnidha37@gmail.com" userId="b9c9f555e6524704" providerId="LiveId" clId="{0440A7F5-BD8F-544D-B642-C9ACFFDA0068}"/>
-    <pc:docChg chg="undo custSel modSld">
-      <pc:chgData name="arnidha37@gmail.com" userId="b9c9f555e6524704" providerId="LiveId" clId="{0440A7F5-BD8F-544D-B642-C9ACFFDA0068}" dt="2024-09-03T05:11:35.500" v="228" actId="20577"/>
-      <pc:docMkLst>
-        <pc:docMk/>
-      </pc:docMkLst>
-      <pc:sldChg chg="modSp">
-        <pc:chgData name="arnidha37@gmail.com" userId="b9c9f555e6524704" providerId="LiveId" clId="{0440A7F5-BD8F-544D-B642-C9ACFFDA0068}" dt="2024-09-03T05:11:35.500" v="228" actId="20577"/>
-        <pc:sldMkLst>
-          <pc:docMk/>
-          <pc:sldMk cId="0" sldId="256"/>
-        </pc:sldMkLst>
-        <pc:spChg chg="mod">
-          <ac:chgData name="arnidha37@gmail.com" userId="b9c9f555e6524704" providerId="LiveId" clId="{0440A7F5-BD8F-544D-B642-C9ACFFDA0068}" dt="2024-09-03T05:11:35.500" v="228" actId="20577"/>
-          <ac:spMkLst>
-            <pc:docMk/>
-            <pc:sldMk cId="0" sldId="256"/>
-            <ac:spMk id="58" creationId="{00000000-0000-0000-0000-000000000000}"/>
-          </ac:spMkLst>
-        </pc:spChg>
-        <pc:spChg chg="mod">
-          <ac:chgData name="arnidha37@gmail.com" userId="b9c9f555e6524704" providerId="LiveId" clId="{0440A7F5-BD8F-544D-B642-C9ACFFDA0068}" dt="2024-09-03T04:35:30.498" v="104" actId="1076"/>
-          <ac:spMkLst>
-            <pc:docMk/>
-            <pc:sldMk cId="0" sldId="256"/>
-            <ac:spMk id="60" creationId="{00000000-0000-0000-0000-000000000000}"/>
           </ac:spMkLst>
         </pc:spChg>
       </pc:sldChg>
@@ -2858,7 +2786,7 @@
               <a:buNone/>
             </a:pPr>
             <a:r>
-              <a:rPr lang="en-US" b="1" u="sng" dirty="0">
+              <a:rPr lang="en-US" b="1" u="sng">
                 <a:solidFill>
                   <a:srgbClr val="0F0F0F"/>
                 </a:solidFill>
@@ -2870,7 +2798,7 @@
               <a:t>Employee Data Analysis using Excel</a:t>
             </a:r>
             <a:r>
-              <a:rPr lang="en-US" b="1" i="0" u="sng" dirty="0">
+              <a:rPr lang="en-US" b="1" i="0" u="sng">
                 <a:solidFill>
                   <a:srgbClr val="0F0F0F"/>
                 </a:solidFill>
@@ -2882,7 +2810,7 @@
               <a:t> </a:t>
             </a:r>
             <a:br>
-              <a:rPr lang="en-US" b="1" i="0" u="sng" dirty="0">
+              <a:rPr lang="en-US" b="1" i="0" u="sng">
                 <a:solidFill>
                   <a:srgbClr val="0F0F0F"/>
                 </a:solidFill>
@@ -2892,7 +2820,7 @@
                 <a:sym typeface="Roboto"/>
               </a:rPr>
             </a:br>
-            <a:endParaRPr u="sng" dirty="0"/>
+            <a:endParaRPr u="sng"/>
           </a:p>
         </p:txBody>
       </p:sp>
@@ -2985,8 +2913,8 @@
         </p:nvSpPr>
         <p:spPr>
           <a:xfrm>
-            <a:off x="2905124" y="3177533"/>
-            <a:ext cx="9486713" cy="1938952"/>
+            <a:off x="2905125" y="3177533"/>
+            <a:ext cx="8610600" cy="1938900"/>
           </a:xfrm>
           <a:prstGeom prst="rect">
             <a:avLst/>
@@ -3026,10 +2954,10 @@
                 <a:cs typeface="Calibri"/>
                 <a:sym typeface="Calibri"/>
               </a:rPr>
-              <a:t>STUDENT NAME :</a:t>
+              <a:t>STUDENT NAME: </a:t>
             </a:r>
             <a:r>
-              <a:rPr lang="en-US" sz="2400" dirty="0" err="1">
+              <a:rPr lang="en-US" sz="2400" err="1">
                 <a:solidFill>
                   <a:schemeClr val="dk1"/>
                 </a:solidFill>
@@ -3038,7 +2966,19 @@
                 <a:cs typeface="Calibri"/>
                 <a:sym typeface="Calibri"/>
               </a:rPr>
-              <a:t>Sanjay.D</a:t>
+              <a:t>Purushothaman</a:t>
+            </a:r>
+            <a:r>
+              <a:rPr lang="en-US" sz="2400">
+                <a:solidFill>
+                  <a:schemeClr val="dk1"/>
+                </a:solidFill>
+                <a:latin typeface="Calibri"/>
+                <a:ea typeface="Calibri"/>
+                <a:cs typeface="Calibri"/>
+                <a:sym typeface="Calibri"/>
+              </a:rPr>
+              <a:t>.S</a:t>
             </a:r>
             <a:endParaRPr sz="2400" dirty="0">
               <a:solidFill>
@@ -3075,19 +3015,7 @@
                 <a:cs typeface="Calibri"/>
                 <a:sym typeface="Calibri"/>
               </a:rPr>
-              <a:t>REGISTER NO      </a:t>
-            </a:r>
-            <a:r>
-              <a:rPr lang="en-US" sz="2400">
-                <a:solidFill>
-                  <a:schemeClr val="dk1"/>
-                </a:solidFill>
-                <a:latin typeface="Calibri"/>
-                <a:ea typeface="Calibri"/>
-                <a:cs typeface="Calibri"/>
-                <a:sym typeface="Calibri"/>
-              </a:rPr>
-              <a:t>: 312201578</a:t>
+              <a:t>REGISTER NO: 312201575</a:t>
             </a:r>
             <a:endParaRPr sz="1800" dirty="0">
               <a:solidFill>
@@ -3124,7 +3052,7 @@
                 <a:cs typeface="Calibri"/>
                 <a:sym typeface="Calibri"/>
               </a:rPr>
-              <a:t>DEPARTMENT     : Commerce </a:t>
+              <a:t>DEPARTMENT: Commerce </a:t>
             </a:r>
             <a:endParaRPr sz="1800" dirty="0">
               <a:solidFill>
@@ -3161,7 +3089,7 @@
                 <a:cs typeface="Calibri"/>
                 <a:sym typeface="Calibri"/>
               </a:rPr>
-              <a:t>COLLEGE              : Prof. </a:t>
+              <a:t>COLLEGE : Prof. </a:t>
             </a:r>
             <a:r>
               <a:rPr lang="en-US" sz="2400" dirty="0" err="1">
@@ -3298,7 +3226,7 @@
         </p:nvSpPr>
         <p:spPr>
           <a:xfrm>
-            <a:off x="-1892776" y="4478284"/>
+            <a:off x="676275" y="3767887"/>
             <a:ext cx="7995600" cy="932700"/>
           </a:xfrm>
           <a:prstGeom prst="rect">
@@ -4681,73 +4609,6 @@
         </p:txBody>
       </p:sp>
     </p:spTree>
-  </p:cSld>
-  <p:clrMapOvr>
-    <a:masterClrMapping/>
-  </p:clrMapOvr>
-</p:sld>
-</file>
-
-<file path=ppt/slides/slide13.xml><?xml version="1.0" encoding="utf-8"?>
-<p:sld xmlns:a="http://schemas.openxmlformats.org/drawingml/2006/main" xmlns:r="http://schemas.openxmlformats.org/officeDocument/2006/relationships" xmlns:p="http://schemas.openxmlformats.org/presentationml/2006/main">
-  <p:cSld>
-    <p:spTree>
-      <p:nvGrpSpPr>
-        <p:cNvPr id="1" name=""/>
-        <p:cNvGrpSpPr/>
-        <p:nvPr/>
-      </p:nvGrpSpPr>
-      <p:grpSpPr>
-        <a:xfrm>
-          <a:off x="0" y="0"/>
-          <a:ext cx="0" cy="0"/>
-          <a:chOff x="0" y="0"/>
-          <a:chExt cx="0" cy="0"/>
-        </a:xfrm>
-      </p:grpSpPr>
-      <p:sp>
-        <p:nvSpPr>
-          <p:cNvPr id="5" name="Title 4">
-            <a:extLst>
-              <a:ext uri="{FF2B5EF4-FFF2-40B4-BE49-F238E27FC236}">
-                <a16:creationId xmlns:a16="http://schemas.microsoft.com/office/drawing/2014/main" id="{98DF10D5-A2FE-3C4A-304F-F0DBEB70C519}"/>
-              </a:ext>
-            </a:extLst>
-          </p:cNvPr>
-          <p:cNvSpPr>
-            <a:spLocks noGrp="1"/>
-          </p:cNvSpPr>
-          <p:nvPr>
-            <p:ph type="title"/>
-          </p:nvPr>
-        </p:nvSpPr>
-        <p:spPr>
-          <a:xfrm>
-            <a:off x="4524244" y="2855986"/>
-            <a:ext cx="8881727" cy="1477328"/>
-          </a:xfrm>
-        </p:spPr>
-        <p:txBody>
-          <a:bodyPr/>
-          <a:lstStyle/>
-          <a:p>
-            <a:r>
-              <a:rPr lang="en-US" b="0"/>
-              <a:t>THANK YOU </a:t>
-            </a:r>
-            <a:br>
-              <a:rPr lang="en-US" b="0"/>
-            </a:br>
-            <a:endParaRPr lang="en-US"/>
-          </a:p>
-        </p:txBody>
-      </p:sp>
-    </p:spTree>
-    <p:extLst>
-      <p:ext uri="{BB962C8B-B14F-4D97-AF65-F5344CB8AC3E}">
-        <p14:creationId xmlns:p14="http://schemas.microsoft.com/office/powerpoint/2010/main" val="1416570154"/>
-      </p:ext>
-    </p:extLst>
   </p:cSld>
   <p:clrMapOvr>
     <a:masterClrMapping/>
